--- a/Powerpoints/L6 Group-1 Pitch 2.pptx
+++ b/Powerpoints/L6 Group-1 Pitch 2.pptx
@@ -5,23 +5,24 @@
     <p:sldMasterId id="2147483840" r:id="rId1"/>
   </p:sldMasterIdLst>
   <p:notesMasterIdLst>
-    <p:notesMasterId r:id="rId16"/>
+    <p:notesMasterId r:id="rId17"/>
   </p:notesMasterIdLst>
   <p:sldIdLst>
     <p:sldId id="256" r:id="rId2"/>
-    <p:sldId id="261" r:id="rId3"/>
-    <p:sldId id="274" r:id="rId4"/>
-    <p:sldId id="259" r:id="rId5"/>
-    <p:sldId id="260" r:id="rId6"/>
-    <p:sldId id="257" r:id="rId7"/>
-    <p:sldId id="272" r:id="rId8"/>
-    <p:sldId id="276" r:id="rId9"/>
-    <p:sldId id="277" r:id="rId10"/>
-    <p:sldId id="281" r:id="rId11"/>
-    <p:sldId id="278" r:id="rId12"/>
-    <p:sldId id="279" r:id="rId13"/>
-    <p:sldId id="280" r:id="rId14"/>
-    <p:sldId id="275" r:id="rId15"/>
+    <p:sldId id="282" r:id="rId3"/>
+    <p:sldId id="261" r:id="rId4"/>
+    <p:sldId id="274" r:id="rId5"/>
+    <p:sldId id="259" r:id="rId6"/>
+    <p:sldId id="260" r:id="rId7"/>
+    <p:sldId id="257" r:id="rId8"/>
+    <p:sldId id="272" r:id="rId9"/>
+    <p:sldId id="276" r:id="rId10"/>
+    <p:sldId id="277" r:id="rId11"/>
+    <p:sldId id="281" r:id="rId12"/>
+    <p:sldId id="278" r:id="rId13"/>
+    <p:sldId id="279" r:id="rId14"/>
+    <p:sldId id="280" r:id="rId15"/>
+    <p:sldId id="275" r:id="rId16"/>
   </p:sldIdLst>
   <p:sldSz cx="9144000" cy="6858000" type="screen4x3"/>
   <p:notesSz cx="6858000" cy="9144000"/>
@@ -122,7 +123,7 @@
   </p:defaultTextStyle>
   <p:extLst>
     <p:ext uri="{EFAFB233-063F-42B5-8137-9DF3F51BA10A}">
-      <p15:sldGuideLst xmlns:p15="http://schemas.microsoft.com/office/powerpoint/2012/main">
+      <p15:sldGuideLst xmlns:p15="http://schemas.microsoft.com/office/powerpoint/2012/main" xmlns="">
         <p15:guide id="1" orient="horz" pos="2160">
           <p15:clr>
             <a:srgbClr val="A4A3A4"/>
@@ -1142,16 +1143,16 @@
     </dgm:pt>
   </dgm:ptLst>
   <dgm:cxnLst>
-    <dgm:cxn modelId="{68EC68E2-5A3A-4297-AEF8-68838B9D0B7F}" type="presOf" srcId="{6E76BD92-E0C4-4278-8122-FCEE62189C1C}" destId="{3C6E4344-2BAF-46B1-911F-87EF0AA480F4}" srcOrd="0" destOrd="0" presId="urn:microsoft.com/office/officeart/2005/8/layout/cycle3"/>
-    <dgm:cxn modelId="{EAA6D632-101B-42EE-8F7C-77D2D726A0E4}" type="presOf" srcId="{0450D359-EBCE-4CAD-A13E-3D96EFB8CE53}" destId="{DB507643-5CAC-4102-80BD-5451C0BDAB27}" srcOrd="0" destOrd="0" presId="urn:microsoft.com/office/officeart/2005/8/layout/cycle3"/>
+    <dgm:cxn modelId="{FBA3E9A6-324B-46FB-AA3A-C4F19ED069DD}" srcId="{2845B67A-92C6-4C31-BB88-CA8A042B05E2}" destId="{0450D359-EBCE-4CAD-A13E-3D96EFB8CE53}" srcOrd="1" destOrd="0" parTransId="{F00047B3-4295-4A43-99A2-F77490E48B44}" sibTransId="{2515405C-71B0-49D6-833F-296E0310B914}"/>
+    <dgm:cxn modelId="{01ED156B-C568-49FB-964D-228F0450C75D}" type="presOf" srcId="{FDB6EE4B-D3DC-4E47-9D6D-76BAB5C6B0CD}" destId="{B88FAB91-651E-4A3F-81D1-658D94468009}" srcOrd="0" destOrd="0" presId="urn:microsoft.com/office/officeart/2005/8/layout/cycle3"/>
+    <dgm:cxn modelId="{A04B444C-F5C3-4A6B-9AD8-8210CA861B25}" srcId="{2845B67A-92C6-4C31-BB88-CA8A042B05E2}" destId="{240E754E-20B9-4F09-84C6-8564442B797D}" srcOrd="2" destOrd="0" parTransId="{199EC2E1-3328-4CBC-92A4-1430DF950AC2}" sibTransId="{D39A17A5-E082-490F-9C6F-34F7242EE27B}"/>
     <dgm:cxn modelId="{73623984-A5C7-41EA-BEFE-3CA552D9FEC7}" srcId="{2845B67A-92C6-4C31-BB88-CA8A042B05E2}" destId="{6E76BD92-E0C4-4278-8122-FCEE62189C1C}" srcOrd="0" destOrd="0" parTransId="{E6BD7302-EA76-48D9-A9DF-021359674335}" sibTransId="{FE27E0FF-AED2-429B-9AD3-41A6DF98286F}"/>
-    <dgm:cxn modelId="{CEE41EA0-4D28-4AA2-965B-D49F2955080A}" srcId="{2845B67A-92C6-4C31-BB88-CA8A042B05E2}" destId="{FDB6EE4B-D3DC-4E47-9D6D-76BAB5C6B0CD}" srcOrd="3" destOrd="0" parTransId="{F07CE661-A2AD-4EFC-A25B-2491FF57A173}" sibTransId="{A8EC9455-C67E-45AF-9F80-5B693CC3DB1F}"/>
-    <dgm:cxn modelId="{01ED156B-C568-49FB-964D-228F0450C75D}" type="presOf" srcId="{FDB6EE4B-D3DC-4E47-9D6D-76BAB5C6B0CD}" destId="{B88FAB91-651E-4A3F-81D1-658D94468009}" srcOrd="0" destOrd="0" presId="urn:microsoft.com/office/officeart/2005/8/layout/cycle3"/>
     <dgm:cxn modelId="{11462B83-ADEC-4271-A84E-1F426549C131}" type="presOf" srcId="{2845B67A-92C6-4C31-BB88-CA8A042B05E2}" destId="{E9207BBE-1E4E-4B97-8833-8BD1899DC9B6}" srcOrd="0" destOrd="0" presId="urn:microsoft.com/office/officeart/2005/8/layout/cycle3"/>
     <dgm:cxn modelId="{9C43A3A3-CDC8-465C-A58E-4A98D171AE87}" type="presOf" srcId="{240E754E-20B9-4F09-84C6-8564442B797D}" destId="{E1F9D6A7-F885-4940-85EE-CC68623E32C0}" srcOrd="0" destOrd="0" presId="urn:microsoft.com/office/officeart/2005/8/layout/cycle3"/>
-    <dgm:cxn modelId="{FBA3E9A6-324B-46FB-AA3A-C4F19ED069DD}" srcId="{2845B67A-92C6-4C31-BB88-CA8A042B05E2}" destId="{0450D359-EBCE-4CAD-A13E-3D96EFB8CE53}" srcOrd="1" destOrd="0" parTransId="{F00047B3-4295-4A43-99A2-F77490E48B44}" sibTransId="{2515405C-71B0-49D6-833F-296E0310B914}"/>
     <dgm:cxn modelId="{7D928312-0CB3-4F86-AFC1-E2628CBDD976}" type="presOf" srcId="{FE27E0FF-AED2-429B-9AD3-41A6DF98286F}" destId="{FF05EC19-9CBB-4D05-8C94-0B538C585BC0}" srcOrd="0" destOrd="0" presId="urn:microsoft.com/office/officeart/2005/8/layout/cycle3"/>
-    <dgm:cxn modelId="{A04B444C-F5C3-4A6B-9AD8-8210CA861B25}" srcId="{2845B67A-92C6-4C31-BB88-CA8A042B05E2}" destId="{240E754E-20B9-4F09-84C6-8564442B797D}" srcOrd="2" destOrd="0" parTransId="{199EC2E1-3328-4CBC-92A4-1430DF950AC2}" sibTransId="{D39A17A5-E082-490F-9C6F-34F7242EE27B}"/>
+    <dgm:cxn modelId="{EAA6D632-101B-42EE-8F7C-77D2D726A0E4}" type="presOf" srcId="{0450D359-EBCE-4CAD-A13E-3D96EFB8CE53}" destId="{DB507643-5CAC-4102-80BD-5451C0BDAB27}" srcOrd="0" destOrd="0" presId="urn:microsoft.com/office/officeart/2005/8/layout/cycle3"/>
+    <dgm:cxn modelId="{68EC68E2-5A3A-4297-AEF8-68838B9D0B7F}" type="presOf" srcId="{6E76BD92-E0C4-4278-8122-FCEE62189C1C}" destId="{3C6E4344-2BAF-46B1-911F-87EF0AA480F4}" srcOrd="0" destOrd="0" presId="urn:microsoft.com/office/officeart/2005/8/layout/cycle3"/>
+    <dgm:cxn modelId="{CEE41EA0-4D28-4AA2-965B-D49F2955080A}" srcId="{2845B67A-92C6-4C31-BB88-CA8A042B05E2}" destId="{FDB6EE4B-D3DC-4E47-9D6D-76BAB5C6B0CD}" srcOrd="3" destOrd="0" parTransId="{F07CE661-A2AD-4EFC-A25B-2491FF57A173}" sibTransId="{A8EC9455-C67E-45AF-9F80-5B693CC3DB1F}"/>
     <dgm:cxn modelId="{80D82425-DCB1-4208-84D4-2CBD96476969}" type="presParOf" srcId="{E9207BBE-1E4E-4B97-8833-8BD1899DC9B6}" destId="{E351C160-82F5-4772-8E0F-B59BC93285AC}" srcOrd="0" destOrd="0" presId="urn:microsoft.com/office/officeart/2005/8/layout/cycle3"/>
     <dgm:cxn modelId="{403F8DE7-B2E4-4A6E-98B8-AC44D11D5556}" type="presParOf" srcId="{E351C160-82F5-4772-8E0F-B59BC93285AC}" destId="{3C6E4344-2BAF-46B1-911F-87EF0AA480F4}" srcOrd="0" destOrd="0" presId="urn:microsoft.com/office/officeart/2005/8/layout/cycle3"/>
     <dgm:cxn modelId="{C8AC0AD9-795A-42FF-839F-BFECE41A0680}" type="presParOf" srcId="{E351C160-82F5-4772-8E0F-B59BC93285AC}" destId="{FF05EC19-9CBB-4D05-8C94-0B538C585BC0}" srcOrd="1" destOrd="0" presId="urn:microsoft.com/office/officeart/2005/8/layout/cycle3"/>
@@ -1163,14 +1164,14 @@
   <dgm:whole/>
   <dgm:extLst>
     <a:ext uri="http://schemas.microsoft.com/office/drawing/2008/diagram">
-      <dsp:dataModelExt xmlns:dsp="http://schemas.microsoft.com/office/drawing/2008/diagram" relId="rId6" minVer="http://schemas.openxmlformats.org/drawingml/2006/diagram"/>
+      <dsp:dataModelExt xmlns:dsp="http://schemas.microsoft.com/office/drawing/2008/diagram" xmlns="" relId="rId6" minVer="http://schemas.openxmlformats.org/drawingml/2006/diagram"/>
     </a:ext>
   </dgm:extLst>
 </dgm:dataModel>
 </file>
 
 <file path=ppt/diagrams/drawing1.xml><?xml version="1.0" encoding="utf-8"?>
-<dsp:drawing xmlns:dgm="http://schemas.openxmlformats.org/drawingml/2006/diagram" xmlns:dsp="http://schemas.microsoft.com/office/drawing/2008/diagram" xmlns:a="http://schemas.openxmlformats.org/drawingml/2006/main">
+<dsp:drawing xmlns:dgm="http://schemas.openxmlformats.org/drawingml/2006/diagram" xmlns:a="http://schemas.openxmlformats.org/drawingml/2006/main" xmlns:dsp="http://schemas.microsoft.com/office/drawing/2008/diagram">
   <dsp:spTree>
     <dsp:nvGrpSpPr>
       <dsp:cNvPr id="0" name=""/>
@@ -1295,8 +1296,8 @@
         </a:p>
       </dsp:txBody>
       <dsp:txXfrm>
-        <a:off x="1871207" y="65799"/>
-        <a:ext cx="2532624" cy="1201323"/>
+        <a:off x="1806218" y="810"/>
+        <a:ext cx="2662602" cy="1331301"/>
       </dsp:txXfrm>
     </dsp:sp>
     <dsp:sp modelId="{DB507643-5CAC-4102-80BD-5451C0BDAB27}">
@@ -1371,8 +1372,8 @@
         </a:p>
       </dsp:txBody>
       <dsp:txXfrm>
-        <a:off x="3364986" y="1559578"/>
-        <a:ext cx="2532624" cy="1201323"/>
+        <a:off x="3299997" y="1494589"/>
+        <a:ext cx="2662602" cy="1331301"/>
       </dsp:txXfrm>
     </dsp:sp>
     <dsp:sp modelId="{E1F9D6A7-F885-4940-85EE-CC68623E32C0}">
@@ -1447,8 +1448,8 @@
         </a:p>
       </dsp:txBody>
       <dsp:txXfrm>
-        <a:off x="1871207" y="3053357"/>
-        <a:ext cx="2532624" cy="1201323"/>
+        <a:off x="1806218" y="2988368"/>
+        <a:ext cx="2662602" cy="1331301"/>
       </dsp:txXfrm>
     </dsp:sp>
     <dsp:sp modelId="{B88FAB91-651E-4A3F-81D1-658D94468009}">
@@ -1524,8 +1525,8 @@
         </a:p>
       </dsp:txBody>
       <dsp:txXfrm>
-        <a:off x="377428" y="1559578"/>
-        <a:ext cx="2532624" cy="1201323"/>
+        <a:off x="312439" y="1494589"/>
+        <a:ext cx="2662602" cy="1331301"/>
       </dsp:txXfrm>
     </dsp:sp>
   </dsp:spTree>
@@ -3052,7 +3053,7 @@
             <a:fld id="{BB0B70CF-ED1C-4664-B00B-D2A72B01F4A2}" type="datetimeFigureOut">
               <a:rPr lang="en-GB" smtClean="0"/>
               <a:pPr/>
-              <a:t>06/11/2017</a:t>
+              <a:t>07/11/2017</a:t>
             </a:fld>
             <a:endParaRPr lang="en-GB"/>
           </a:p>
@@ -3221,7 +3222,7 @@
     </p:spTree>
     <p:extLst>
       <p:ext uri="{BB962C8B-B14F-4D97-AF65-F5344CB8AC3E}">
-        <p14:creationId xmlns:p14="http://schemas.microsoft.com/office/powerpoint/2010/main" val="4274486856"/>
+        <p14:creationId xmlns:p14="http://schemas.microsoft.com/office/powerpoint/2010/main" xmlns="" val="4274486856"/>
       </p:ext>
     </p:extLst>
   </p:cSld>
@@ -3387,7 +3388,7 @@
             <a:fld id="{2C3E7158-80D8-49F1-9FD5-353DCC37C606}" type="slidenum">
               <a:rPr lang="en-GB" smtClean="0"/>
               <a:pPr/>
-              <a:t>6</a:t>
+              <a:t>7</a:t>
             </a:fld>
             <a:endParaRPr lang="en-GB"/>
           </a:p>
@@ -3396,7 +3397,7 @@
     </p:spTree>
     <p:extLst>
       <p:ext uri="{BB962C8B-B14F-4D97-AF65-F5344CB8AC3E}">
-        <p14:creationId xmlns:p14="http://schemas.microsoft.com/office/powerpoint/2010/main" val="1210449891"/>
+        <p14:creationId xmlns:p14="http://schemas.microsoft.com/office/powerpoint/2010/main" xmlns="" val="1210449891"/>
       </p:ext>
     </p:extLst>
   </p:cSld>
@@ -3624,7 +3625,7 @@
             <a:fld id="{59890AA0-6485-43C3-A3E1-2183D380AD4D}" type="datetimeFigureOut">
               <a:rPr lang="en-GB" smtClean="0"/>
               <a:pPr/>
-              <a:t>06/11/2017</a:t>
+              <a:t>07/11/2017</a:t>
             </a:fld>
             <a:endParaRPr lang="en-GB"/>
           </a:p>
@@ -3812,7 +3813,7 @@
             <a:fld id="{59890AA0-6485-43C3-A3E1-2183D380AD4D}" type="datetimeFigureOut">
               <a:rPr lang="en-GB" smtClean="0"/>
               <a:pPr/>
-              <a:t>06/11/2017</a:t>
+              <a:t>07/11/2017</a:t>
             </a:fld>
             <a:endParaRPr lang="en-GB"/>
           </a:p>
@@ -3988,7 +3989,7 @@
             <a:fld id="{59890AA0-6485-43C3-A3E1-2183D380AD4D}" type="datetimeFigureOut">
               <a:rPr lang="en-GB" smtClean="0"/>
               <a:pPr/>
-              <a:t>06/11/2017</a:t>
+              <a:t>07/11/2017</a:t>
             </a:fld>
             <a:endParaRPr lang="en-GB"/>
           </a:p>
@@ -4169,7 +4170,7 @@
             <a:fld id="{59890AA0-6485-43C3-A3E1-2183D380AD4D}" type="datetimeFigureOut">
               <a:rPr lang="en-GB" smtClean="0"/>
               <a:pPr/>
-              <a:t>06/11/2017</a:t>
+              <a:t>07/11/2017</a:t>
             </a:fld>
             <a:endParaRPr lang="en-GB"/>
           </a:p>
@@ -4418,7 +4419,7 @@
             <a:fld id="{59890AA0-6485-43C3-A3E1-2183D380AD4D}" type="datetimeFigureOut">
               <a:rPr lang="en-GB" smtClean="0"/>
               <a:pPr/>
-              <a:t>06/11/2017</a:t>
+              <a:t>07/11/2017</a:t>
             </a:fld>
             <a:endParaRPr lang="en-GB"/>
           </a:p>
@@ -4892,7 +4893,7 @@
             <a:fld id="{59890AA0-6485-43C3-A3E1-2183D380AD4D}" type="datetimeFigureOut">
               <a:rPr lang="en-GB" smtClean="0"/>
               <a:pPr/>
-              <a:t>06/11/2017</a:t>
+              <a:t>07/11/2017</a:t>
             </a:fld>
             <a:endParaRPr lang="en-GB"/>
           </a:p>
@@ -5308,7 +5309,7 @@
             <a:fld id="{59890AA0-6485-43C3-A3E1-2183D380AD4D}" type="datetimeFigureOut">
               <a:rPr lang="en-GB" smtClean="0"/>
               <a:pPr/>
-              <a:t>06/11/2017</a:t>
+              <a:t>07/11/2017</a:t>
             </a:fld>
             <a:endParaRPr lang="en-GB"/>
           </a:p>
@@ -5440,7 +5441,7 @@
             <a:fld id="{59890AA0-6485-43C3-A3E1-2183D380AD4D}" type="datetimeFigureOut">
               <a:rPr lang="en-GB" smtClean="0"/>
               <a:pPr/>
-              <a:t>06/11/2017</a:t>
+              <a:t>07/11/2017</a:t>
             </a:fld>
             <a:endParaRPr lang="en-GB"/>
           </a:p>
@@ -5537,7 +5538,7 @@
             <a:fld id="{59890AA0-6485-43C3-A3E1-2183D380AD4D}" type="datetimeFigureOut">
               <a:rPr lang="en-GB" smtClean="0"/>
               <a:pPr/>
-              <a:t>06/11/2017</a:t>
+              <a:t>07/11/2017</a:t>
             </a:fld>
             <a:endParaRPr lang="en-GB"/>
           </a:p>
@@ -5816,7 +5817,7 @@
             <a:fld id="{59890AA0-6485-43C3-A3E1-2183D380AD4D}" type="datetimeFigureOut">
               <a:rPr lang="en-GB" smtClean="0"/>
               <a:pPr/>
-              <a:t>06/11/2017</a:t>
+              <a:t>07/11/2017</a:t>
             </a:fld>
             <a:endParaRPr lang="en-GB"/>
           </a:p>
@@ -6069,7 +6070,7 @@
             <a:fld id="{59890AA0-6485-43C3-A3E1-2183D380AD4D}" type="datetimeFigureOut">
               <a:rPr lang="en-GB" smtClean="0"/>
               <a:pPr/>
-              <a:t>06/11/2017</a:t>
+              <a:t>07/11/2017</a:t>
             </a:fld>
             <a:endParaRPr lang="en-GB"/>
           </a:p>
@@ -6441,7 +6442,7 @@
             <a:fld id="{59890AA0-6485-43C3-A3E1-2183D380AD4D}" type="datetimeFigureOut">
               <a:rPr lang="en-GB" smtClean="0"/>
               <a:pPr/>
-              <a:t>06/11/2017</a:t>
+              <a:t>07/11/2017</a:t>
             </a:fld>
             <a:endParaRPr lang="en-GB"/>
           </a:p>
@@ -6973,7 +6974,7 @@
           <a:p>
             <a:r>
               <a:rPr lang="en-GB" dirty="0" smtClean="0"/>
-              <a:t>Power-ups</a:t>
+              <a:t>Hex Tile Types</a:t>
             </a:r>
             <a:endParaRPr lang="en-GB" dirty="0"/>
           </a:p>
@@ -7001,7 +7002,7 @@
     </p:spTree>
     <p:extLst>
       <p:ext uri="{BB962C8B-B14F-4D97-AF65-F5344CB8AC3E}">
-        <p14:creationId xmlns:p14="http://schemas.microsoft.com/office/powerpoint/2010/main" val="99940245"/>
+        <p14:creationId xmlns:p14="http://schemas.microsoft.com/office/powerpoint/2010/main" xmlns="" val="1875766184"/>
       </p:ext>
     </p:extLst>
   </p:cSld>
@@ -7045,7 +7046,7 @@
           <a:p>
             <a:r>
               <a:rPr lang="en-GB" dirty="0" smtClean="0"/>
-              <a:t>Artwork</a:t>
+              <a:t>Power-ups</a:t>
             </a:r>
             <a:endParaRPr lang="en-GB" dirty="0"/>
           </a:p>
@@ -7066,14 +7067,14 @@
           <a:bodyPr/>
           <a:lstStyle/>
           <a:p>
-            <a:endParaRPr lang="en-GB"/>
+            <a:endParaRPr lang="en-GB" dirty="0"/>
           </a:p>
         </p:txBody>
       </p:sp>
     </p:spTree>
     <p:extLst>
       <p:ext uri="{BB962C8B-B14F-4D97-AF65-F5344CB8AC3E}">
-        <p14:creationId xmlns:p14="http://schemas.microsoft.com/office/powerpoint/2010/main" val="3858199020"/>
+        <p14:creationId xmlns:p14="http://schemas.microsoft.com/office/powerpoint/2010/main" xmlns="" val="99940245"/>
       </p:ext>
     </p:extLst>
   </p:cSld>
@@ -7116,9 +7117,10 @@
           <a:lstStyle/>
           <a:p>
             <a:r>
-              <a:rPr lang="en-GB" dirty="0"/>
+              <a:rPr lang="en-GB" dirty="0" smtClean="0"/>
               <a:t>Artwork</a:t>
             </a:r>
+            <a:endParaRPr lang="en-GB" dirty="0"/>
           </a:p>
         </p:txBody>
       </p:sp>
@@ -7144,7 +7146,7 @@
     </p:spTree>
     <p:extLst>
       <p:ext uri="{BB962C8B-B14F-4D97-AF65-F5344CB8AC3E}">
-        <p14:creationId xmlns:p14="http://schemas.microsoft.com/office/powerpoint/2010/main" val="1258021093"/>
+        <p14:creationId xmlns:p14="http://schemas.microsoft.com/office/powerpoint/2010/main" xmlns="" val="3858199020"/>
       </p:ext>
     </p:extLst>
   </p:cSld>
@@ -7215,7 +7217,7 @@
     </p:spTree>
     <p:extLst>
       <p:ext uri="{BB962C8B-B14F-4D97-AF65-F5344CB8AC3E}">
-        <p14:creationId xmlns:p14="http://schemas.microsoft.com/office/powerpoint/2010/main" val="2775324086"/>
+        <p14:creationId xmlns:p14="http://schemas.microsoft.com/office/powerpoint/2010/main" xmlns="" val="1258021093"/>
       </p:ext>
     </p:extLst>
   </p:cSld>
@@ -7258,10 +7260,9 @@
           <a:lstStyle/>
           <a:p>
             <a:r>
-              <a:rPr lang="en-GB" dirty="0" smtClean="0"/>
-              <a:t>Questions?</a:t>
-            </a:r>
-            <a:endParaRPr lang="en-GB" dirty="0"/>
+              <a:rPr lang="en-GB" dirty="0"/>
+              <a:t>Artwork</a:t>
+            </a:r>
           </a:p>
         </p:txBody>
       </p:sp>
@@ -7280,14 +7281,86 @@
           <a:bodyPr/>
           <a:lstStyle/>
           <a:p>
-            <a:endParaRPr lang="en-GB" dirty="0"/>
+            <a:endParaRPr lang="en-GB"/>
           </a:p>
         </p:txBody>
       </p:sp>
     </p:spTree>
     <p:extLst>
       <p:ext uri="{BB962C8B-B14F-4D97-AF65-F5344CB8AC3E}">
-        <p14:creationId xmlns:p14="http://schemas.microsoft.com/office/powerpoint/2010/main" val="2699662462"/>
+        <p14:creationId xmlns:p14="http://schemas.microsoft.com/office/powerpoint/2010/main" xmlns="" val="2775324086"/>
+      </p:ext>
+    </p:extLst>
+  </p:cSld>
+  <p:clrMapOvr>
+    <a:masterClrMapping/>
+  </p:clrMapOvr>
+</p:sld>
+</file>
+
+<file path=ppt/slides/slide15.xml><?xml version="1.0" encoding="utf-8"?>
+<p:sld xmlns:a="http://schemas.openxmlformats.org/drawingml/2006/main" xmlns:r="http://schemas.openxmlformats.org/officeDocument/2006/relationships" xmlns:p="http://schemas.openxmlformats.org/presentationml/2006/main">
+  <p:cSld>
+    <p:spTree>
+      <p:nvGrpSpPr>
+        <p:cNvPr id="1" name=""/>
+        <p:cNvGrpSpPr/>
+        <p:nvPr/>
+      </p:nvGrpSpPr>
+      <p:grpSpPr>
+        <a:xfrm>
+          <a:off x="0" y="0"/>
+          <a:ext cx="0" cy="0"/>
+          <a:chOff x="0" y="0"/>
+          <a:chExt cx="0" cy="0"/>
+        </a:xfrm>
+      </p:grpSpPr>
+      <p:sp>
+        <p:nvSpPr>
+          <p:cNvPr id="2" name="Title 1"/>
+          <p:cNvSpPr>
+            <a:spLocks noGrp="1"/>
+          </p:cNvSpPr>
+          <p:nvPr>
+            <p:ph type="title"/>
+          </p:nvPr>
+        </p:nvSpPr>
+        <p:spPr/>
+        <p:txBody>
+          <a:bodyPr/>
+          <a:lstStyle/>
+          <a:p>
+            <a:r>
+              <a:rPr lang="en-GB" dirty="0" smtClean="0"/>
+              <a:t>Questions?</a:t>
+            </a:r>
+            <a:endParaRPr lang="en-GB" dirty="0"/>
+          </a:p>
+        </p:txBody>
+      </p:sp>
+      <p:sp>
+        <p:nvSpPr>
+          <p:cNvPr id="3" name="Content Placeholder 2"/>
+          <p:cNvSpPr>
+            <a:spLocks noGrp="1"/>
+          </p:cNvSpPr>
+          <p:nvPr>
+            <p:ph idx="1"/>
+          </p:nvPr>
+        </p:nvSpPr>
+        <p:spPr/>
+        <p:txBody>
+          <a:bodyPr/>
+          <a:lstStyle/>
+          <a:p>
+            <a:endParaRPr lang="en-GB" dirty="0"/>
+          </a:p>
+        </p:txBody>
+      </p:sp>
+    </p:spTree>
+    <p:extLst>
+      <p:ext uri="{BB962C8B-B14F-4D97-AF65-F5344CB8AC3E}">
+        <p14:creationId xmlns:p14="http://schemas.microsoft.com/office/powerpoint/2010/main" xmlns="" val="2699662462"/>
       </p:ext>
     </p:extLst>
   </p:cSld>
@@ -7298,6 +7371,73 @@
 </file>
 
 <file path=ppt/slides/slide2.xml><?xml version="1.0" encoding="utf-8"?>
+<p:sld xmlns:a="http://schemas.openxmlformats.org/drawingml/2006/main" xmlns:r="http://schemas.openxmlformats.org/officeDocument/2006/relationships" xmlns:p="http://schemas.openxmlformats.org/presentationml/2006/main">
+  <p:cSld>
+    <p:spTree>
+      <p:nvGrpSpPr>
+        <p:cNvPr id="1" name=""/>
+        <p:cNvGrpSpPr/>
+        <p:nvPr/>
+      </p:nvGrpSpPr>
+      <p:grpSpPr>
+        <a:xfrm>
+          <a:off x="0" y="0"/>
+          <a:ext cx="0" cy="0"/>
+          <a:chOff x="0" y="0"/>
+          <a:chExt cx="0" cy="0"/>
+        </a:xfrm>
+      </p:grpSpPr>
+      <p:sp>
+        <p:nvSpPr>
+          <p:cNvPr id="2" name="Title 1"/>
+          <p:cNvSpPr>
+            <a:spLocks noGrp="1"/>
+          </p:cNvSpPr>
+          <p:nvPr>
+            <p:ph type="title"/>
+          </p:nvPr>
+        </p:nvSpPr>
+        <p:spPr/>
+        <p:txBody>
+          <a:bodyPr/>
+          <a:lstStyle/>
+          <a:p>
+            <a:r>
+              <a:rPr lang="en-GB" dirty="0" smtClean="0"/>
+              <a:t>Our Brief</a:t>
+            </a:r>
+            <a:endParaRPr lang="en-GB" dirty="0"/>
+          </a:p>
+        </p:txBody>
+      </p:sp>
+      <p:sp>
+        <p:nvSpPr>
+          <p:cNvPr id="3" name="Content Placeholder 2"/>
+          <p:cNvSpPr>
+            <a:spLocks noGrp="1"/>
+          </p:cNvSpPr>
+          <p:nvPr>
+            <p:ph idx="1"/>
+          </p:nvPr>
+        </p:nvSpPr>
+        <p:spPr/>
+        <p:txBody>
+          <a:bodyPr/>
+          <a:lstStyle/>
+          <a:p>
+            <a:endParaRPr lang="en-GB" dirty="0"/>
+          </a:p>
+        </p:txBody>
+      </p:sp>
+    </p:spTree>
+  </p:cSld>
+  <p:clrMapOvr>
+    <a:masterClrMapping/>
+  </p:clrMapOvr>
+</p:sld>
+</file>
+
+<file path=ppt/slides/slide3.xml><?xml version="1.0" encoding="utf-8"?>
 <p:sld xmlns:a="http://schemas.openxmlformats.org/drawingml/2006/main" xmlns:r="http://schemas.openxmlformats.org/officeDocument/2006/relationships" xmlns:p="http://schemas.openxmlformats.org/presentationml/2006/main">
   <p:cSld>
     <p:spTree>
@@ -7499,7 +7639,7 @@
 </p:sld>
 </file>
 
-<file path=ppt/slides/slide3.xml><?xml version="1.0" encoding="utf-8"?>
+<file path=ppt/slides/slide4.xml><?xml version="1.0" encoding="utf-8"?>
 <p:sld xmlns:a="http://schemas.openxmlformats.org/drawingml/2006/main" xmlns:r="http://schemas.openxmlformats.org/officeDocument/2006/relationships" xmlns:p="http://schemas.openxmlformats.org/presentationml/2006/main">
   <p:cSld>
     <p:spTree>
@@ -7617,113 +7757,6 @@
 </p:sld>
 </file>
 
-<file path=ppt/slides/slide4.xml><?xml version="1.0" encoding="utf-8"?>
-<p:sld xmlns:a="http://schemas.openxmlformats.org/drawingml/2006/main" xmlns:r="http://schemas.openxmlformats.org/officeDocument/2006/relationships" xmlns:p="http://schemas.openxmlformats.org/presentationml/2006/main">
-  <p:cSld>
-    <p:spTree>
-      <p:nvGrpSpPr>
-        <p:cNvPr id="1" name=""/>
-        <p:cNvGrpSpPr/>
-        <p:nvPr/>
-      </p:nvGrpSpPr>
-      <p:grpSpPr>
-        <a:xfrm>
-          <a:off x="0" y="0"/>
-          <a:ext cx="0" cy="0"/>
-          <a:chOff x="0" y="0"/>
-          <a:chExt cx="0" cy="0"/>
-        </a:xfrm>
-      </p:grpSpPr>
-      <p:sp>
-        <p:nvSpPr>
-          <p:cNvPr id="2" name="Title 1"/>
-          <p:cNvSpPr>
-            <a:spLocks noGrp="1"/>
-          </p:cNvSpPr>
-          <p:nvPr>
-            <p:ph type="title"/>
-          </p:nvPr>
-        </p:nvSpPr>
-        <p:spPr/>
-        <p:txBody>
-          <a:bodyPr/>
-          <a:lstStyle/>
-          <a:p>
-            <a:r>
-              <a:rPr lang="en-GB" dirty="0" smtClean="0"/>
-              <a:t>Platform </a:t>
-            </a:r>
-            <a:r>
-              <a:rPr lang="en-GB" dirty="0"/>
-              <a:t>and Genre</a:t>
-            </a:r>
-          </a:p>
-        </p:txBody>
-      </p:sp>
-      <p:sp>
-        <p:nvSpPr>
-          <p:cNvPr id="3" name="Content Placeholder 2"/>
-          <p:cNvSpPr>
-            <a:spLocks noGrp="1"/>
-          </p:cNvSpPr>
-          <p:nvPr>
-            <p:ph idx="1"/>
-          </p:nvPr>
-        </p:nvSpPr>
-        <p:spPr/>
-        <p:txBody>
-          <a:bodyPr/>
-          <a:lstStyle/>
-          <a:p>
-            <a:r>
-              <a:rPr lang="en-GB" dirty="0"/>
-              <a:t>Platform: Mobile and Tablet</a:t>
-            </a:r>
-          </a:p>
-          <a:p>
-            <a:r>
-              <a:rPr lang="en-GB" dirty="0"/>
-              <a:t>Genre: </a:t>
-            </a:r>
-            <a:r>
-              <a:rPr lang="en-GB" dirty="0" smtClean="0"/>
-              <a:t>Hex based </a:t>
-            </a:r>
-            <a:r>
-              <a:rPr lang="en-GB" dirty="0" smtClean="0"/>
-              <a:t>Puzzle</a:t>
-            </a:r>
-            <a:endParaRPr lang="en-GB" dirty="0"/>
-          </a:p>
-          <a:p>
-            <a:r>
-              <a:rPr lang="en-GB" dirty="0"/>
-              <a:t>Duration: Up to 5 minutes</a:t>
-            </a:r>
-          </a:p>
-          <a:p>
-            <a:pPr>
-              <a:buNone/>
-            </a:pPr>
-            <a:endParaRPr lang="en-GB" dirty="0"/>
-          </a:p>
-        </p:txBody>
-      </p:sp>
-    </p:spTree>
-  </p:cSld>
-  <p:clrMapOvr>
-    <a:masterClrMapping/>
-  </p:clrMapOvr>
-  <p:timing>
-    <p:tnLst>
-      <p:par>
-        <p:cTn id="1" dur="indefinite" restart="never" nodeType="tmRoot"/>
-      </p:par>
-    </p:tnLst>
-  </p:timing>
-</p:sld>
-</file>
-
 <file path=ppt/slides/slide5.xml><?xml version="1.0" encoding="utf-8"?>
 <p:sld xmlns:a="http://schemas.openxmlformats.org/drawingml/2006/main" xmlns:r="http://schemas.openxmlformats.org/officeDocument/2006/relationships" xmlns:p="http://schemas.openxmlformats.org/presentationml/2006/main">
   <p:cSld>
@@ -7751,63 +7784,79 @@
             <p:ph type="title"/>
           </p:nvPr>
         </p:nvSpPr>
-        <p:spPr>
-          <a:xfrm>
-            <a:off x="457200" y="267494"/>
-            <a:ext cx="8229600" cy="1399032"/>
-          </a:xfrm>
-        </p:spPr>
+        <p:spPr/>
         <p:txBody>
           <a:bodyPr/>
           <a:lstStyle/>
           <a:p>
             <a:r>
               <a:rPr lang="en-GB" dirty="0" smtClean="0"/>
-              <a:t>The Game </a:t>
+              <a:t>Platform </a:t>
             </a:r>
             <a:r>
               <a:rPr lang="en-GB" dirty="0"/>
-              <a:t>Loop</a:t>
-            </a:r>
-          </a:p>
-        </p:txBody>
-      </p:sp>
-      <p:graphicFrame>
-        <p:nvGraphicFramePr>
-          <p:cNvPr id="11" name="Content Placeholder 10">
-            <a:extLst>
-              <a:ext uri="{FF2B5EF4-FFF2-40B4-BE49-F238E27FC236}">
-                <a16:creationId xmlns="" xmlns:a16="http://schemas.microsoft.com/office/drawing/2014/main" id="{63D884F9-9DAF-4078-8A03-C9579CA1824C}"/>
-              </a:ext>
-            </a:extLst>
-          </p:cNvPr>
-          <p:cNvGraphicFramePr>
-            <a:graphicFrameLocks noGrp="1"/>
-          </p:cNvGraphicFramePr>
+              <a:t>and Genre</a:t>
+            </a:r>
+          </a:p>
+        </p:txBody>
+      </p:sp>
+      <p:sp>
+        <p:nvSpPr>
+          <p:cNvPr id="3" name="Content Placeholder 2"/>
+          <p:cNvSpPr>
+            <a:spLocks noGrp="1"/>
+          </p:cNvSpPr>
           <p:nvPr>
             <p:ph idx="1"/>
-            <p:extLst>
-              <p:ext uri="{D42A27DB-BD31-4B8C-83A1-F6EECF244321}">
-                <p14:modId xmlns:p14="http://schemas.microsoft.com/office/powerpoint/2010/main" val="772728712"/>
-              </p:ext>
-            </p:extLst>
-          </p:nvPr>
-        </p:nvGraphicFramePr>
-        <p:xfrm>
-          <a:off x="1187624" y="1484784"/>
-          <a:ext cx="6275040" cy="4320480"/>
-        </p:xfrm>
-        <a:graphic>
-          <a:graphicData uri="http://schemas.openxmlformats.org/drawingml/2006/diagram">
-            <dgm:relIds xmlns:dgm="http://schemas.openxmlformats.org/drawingml/2006/diagram" xmlns:r="http://schemas.openxmlformats.org/officeDocument/2006/relationships" r:dm="rId2" r:lo="rId3" r:qs="rId4" r:cs="rId5"/>
-          </a:graphicData>
-        </a:graphic>
-      </p:graphicFrame>
+          </p:nvPr>
+        </p:nvSpPr>
+        <p:spPr/>
+        <p:txBody>
+          <a:bodyPr/>
+          <a:lstStyle/>
+          <a:p>
+            <a:r>
+              <a:rPr lang="en-GB" dirty="0"/>
+              <a:t>Platform: Mobile and Tablet</a:t>
+            </a:r>
+          </a:p>
+          <a:p>
+            <a:r>
+              <a:rPr lang="en-GB" dirty="0"/>
+              <a:t>Genre: </a:t>
+            </a:r>
+            <a:r>
+              <a:rPr lang="en-GB" dirty="0" smtClean="0"/>
+              <a:t>Hex based Puzzle</a:t>
+            </a:r>
+            <a:endParaRPr lang="en-GB" dirty="0"/>
+          </a:p>
+          <a:p>
+            <a:r>
+              <a:rPr lang="en-GB" dirty="0"/>
+              <a:t>Duration: Up to 5 minutes</a:t>
+            </a:r>
+          </a:p>
+          <a:p>
+            <a:pPr>
+              <a:buNone/>
+            </a:pPr>
+            <a:endParaRPr lang="en-GB" dirty="0"/>
+          </a:p>
+        </p:txBody>
+      </p:sp>
     </p:spTree>
   </p:cSld>
   <p:clrMapOvr>
     <a:masterClrMapping/>
   </p:clrMapOvr>
+  <p:timing>
+    <p:tnLst>
+      <p:par>
+        <p:cTn id="1" dur="indefinite" restart="never" nodeType="tmRoot"/>
+      </p:par>
+    </p:tnLst>
+  </p:timing>
 </p:sld>
 </file>
 
@@ -7838,6 +7887,93 @@
             <p:ph type="title"/>
           </p:nvPr>
         </p:nvSpPr>
+        <p:spPr>
+          <a:xfrm>
+            <a:off x="457200" y="267494"/>
+            <a:ext cx="8229600" cy="1399032"/>
+          </a:xfrm>
+        </p:spPr>
+        <p:txBody>
+          <a:bodyPr/>
+          <a:lstStyle/>
+          <a:p>
+            <a:r>
+              <a:rPr lang="en-GB" dirty="0" smtClean="0"/>
+              <a:t>The Game </a:t>
+            </a:r>
+            <a:r>
+              <a:rPr lang="en-GB" dirty="0"/>
+              <a:t>Loop</a:t>
+            </a:r>
+          </a:p>
+        </p:txBody>
+      </p:sp>
+      <p:graphicFrame>
+        <p:nvGraphicFramePr>
+          <p:cNvPr id="11" name="Content Placeholder 10">
+            <a:extLst>
+              <a:ext uri="{FF2B5EF4-FFF2-40B4-BE49-F238E27FC236}">
+                <a16:creationId xmlns:a16="http://schemas.microsoft.com/office/drawing/2014/main" xmlns="" id="{63D884F9-9DAF-4078-8A03-C9579CA1824C}"/>
+              </a:ext>
+            </a:extLst>
+          </p:cNvPr>
+          <p:cNvGraphicFramePr>
+            <a:graphicFrameLocks noGrp="1"/>
+          </p:cNvGraphicFramePr>
+          <p:nvPr>
+            <p:ph idx="1"/>
+            <p:extLst>
+              <p:ext uri="{D42A27DB-BD31-4B8C-83A1-F6EECF244321}">
+                <p14:modId xmlns:p14="http://schemas.microsoft.com/office/powerpoint/2010/main" xmlns="" val="772728712"/>
+              </p:ext>
+            </p:extLst>
+          </p:nvPr>
+        </p:nvGraphicFramePr>
+        <p:xfrm>
+          <a:off x="1187624" y="1484784"/>
+          <a:ext cx="6275040" cy="4320480"/>
+        </p:xfrm>
+        <a:graphic>
+          <a:graphicData uri="http://schemas.openxmlformats.org/drawingml/2006/diagram">
+            <dgm:relIds xmlns:dgm="http://schemas.openxmlformats.org/drawingml/2006/diagram" xmlns:r="http://schemas.openxmlformats.org/officeDocument/2006/relationships" r:dm="rId2" r:lo="rId3" r:qs="rId4" r:cs="rId5"/>
+          </a:graphicData>
+        </a:graphic>
+      </p:graphicFrame>
+    </p:spTree>
+  </p:cSld>
+  <p:clrMapOvr>
+    <a:masterClrMapping/>
+  </p:clrMapOvr>
+</p:sld>
+</file>
+
+<file path=ppt/slides/slide7.xml><?xml version="1.0" encoding="utf-8"?>
+<p:sld xmlns:a="http://schemas.openxmlformats.org/drawingml/2006/main" xmlns:r="http://schemas.openxmlformats.org/officeDocument/2006/relationships" xmlns:p="http://schemas.openxmlformats.org/presentationml/2006/main">
+  <p:cSld>
+    <p:spTree>
+      <p:nvGrpSpPr>
+        <p:cNvPr id="1" name=""/>
+        <p:cNvGrpSpPr/>
+        <p:nvPr/>
+      </p:nvGrpSpPr>
+      <p:grpSpPr>
+        <a:xfrm>
+          <a:off x="0" y="0"/>
+          <a:ext cx="0" cy="0"/>
+          <a:chOff x="0" y="0"/>
+          <a:chExt cx="0" cy="0"/>
+        </a:xfrm>
+      </p:grpSpPr>
+      <p:sp>
+        <p:nvSpPr>
+          <p:cNvPr id="2" name="Title 1"/>
+          <p:cNvSpPr>
+            <a:spLocks noGrp="1"/>
+          </p:cNvSpPr>
+          <p:nvPr>
+            <p:ph type="title"/>
+          </p:nvPr>
+        </p:nvSpPr>
         <p:spPr/>
         <p:txBody>
           <a:bodyPr/>
@@ -7856,7 +7992,7 @@
           <p:cNvPr id="5" name="Content Placeholder 4">
             <a:extLst>
               <a:ext uri="{FF2B5EF4-FFF2-40B4-BE49-F238E27FC236}">
-                <a16:creationId xmlns="" xmlns:a16="http://schemas.microsoft.com/office/drawing/2014/main" id="{0090F44B-6CFF-4EC9-83A3-F75FD76A3B57}"/>
+                <a16:creationId xmlns:a16="http://schemas.microsoft.com/office/drawing/2014/main" xmlns="" id="{0090F44B-6CFF-4EC9-83A3-F75FD76A3B57}"/>
               </a:ext>
             </a:extLst>
           </p:cNvPr>
@@ -7871,7 +8007,7 @@
           <a:blip r:embed="rId3" cstate="print">
             <a:extLst>
               <a:ext uri="{28A0092B-C50C-407E-A947-70E740481C1C}">
-                <a14:useLocalDpi xmlns:a14="http://schemas.microsoft.com/office/drawing/2010/main" val="0"/>
+                <a14:useLocalDpi xmlns:a14="http://schemas.microsoft.com/office/drawing/2010/main" xmlns="" val="0"/>
               </a:ext>
             </a:extLst>
           </a:blip>
@@ -7901,134 +8037,6 @@
 </p:sld>
 </file>
 
-<file path=ppt/slides/slide7.xml><?xml version="1.0" encoding="utf-8"?>
-<p:sld xmlns:a="http://schemas.openxmlformats.org/drawingml/2006/main" xmlns:r="http://schemas.openxmlformats.org/officeDocument/2006/relationships" xmlns:p="http://schemas.openxmlformats.org/presentationml/2006/main">
-  <p:cSld>
-    <p:spTree>
-      <p:nvGrpSpPr>
-        <p:cNvPr id="1" name=""/>
-        <p:cNvGrpSpPr/>
-        <p:nvPr/>
-      </p:nvGrpSpPr>
-      <p:grpSpPr>
-        <a:xfrm>
-          <a:off x="0" y="0"/>
-          <a:ext cx="0" cy="0"/>
-          <a:chOff x="0" y="0"/>
-          <a:chExt cx="0" cy="0"/>
-        </a:xfrm>
-      </p:grpSpPr>
-      <p:sp>
-        <p:nvSpPr>
-          <p:cNvPr id="2" name="Title 1"/>
-          <p:cNvSpPr>
-            <a:spLocks noGrp="1"/>
-          </p:cNvSpPr>
-          <p:nvPr>
-            <p:ph type="title"/>
-          </p:nvPr>
-        </p:nvSpPr>
-        <p:spPr/>
-        <p:txBody>
-          <a:bodyPr/>
-          <a:lstStyle/>
-          <a:p>
-            <a:r>
-              <a:rPr lang="en-GB" dirty="0" smtClean="0"/>
-              <a:t>Game Features</a:t>
-            </a:r>
-            <a:br>
-              <a:rPr lang="en-GB" dirty="0" smtClean="0"/>
-            </a:br>
-            <a:r>
-              <a:rPr lang="en-GB" dirty="0" smtClean="0"/>
-              <a:t>(The Challenges)</a:t>
-            </a:r>
-            <a:endParaRPr lang="en-GB" dirty="0"/>
-          </a:p>
-        </p:txBody>
-      </p:sp>
-      <p:sp>
-        <p:nvSpPr>
-          <p:cNvPr id="3" name="Content Placeholder 2"/>
-          <p:cNvSpPr>
-            <a:spLocks noGrp="1"/>
-          </p:cNvSpPr>
-          <p:nvPr>
-            <p:ph idx="1"/>
-          </p:nvPr>
-        </p:nvSpPr>
-        <p:spPr/>
-        <p:txBody>
-          <a:bodyPr/>
-          <a:lstStyle/>
-          <a:p>
-            <a:r>
-              <a:rPr lang="en-GB" dirty="0"/>
-              <a:t>Creating an unbroken chain of hexes</a:t>
-            </a:r>
-          </a:p>
-          <a:p>
-            <a:r>
-              <a:rPr lang="en-GB" dirty="0"/>
-              <a:t>Using different hex types to reduce the number of moves this takes</a:t>
-            </a:r>
-          </a:p>
-          <a:p>
-            <a:r>
-              <a:rPr lang="en-GB" dirty="0"/>
-              <a:t>Optimisation </a:t>
-            </a:r>
-            <a:r>
-              <a:rPr lang="en-GB" dirty="0" smtClean="0"/>
-              <a:t>game</a:t>
-            </a:r>
-          </a:p>
-          <a:p>
-            <a:r>
-              <a:rPr lang="en-GB" dirty="0"/>
-              <a:t>Hard Fun: </a:t>
-            </a:r>
-          </a:p>
-          <a:p>
-            <a:pPr lvl="1"/>
-            <a:r>
-              <a:rPr lang="en-GB" dirty="0"/>
-              <a:t>Accomplishment</a:t>
-            </a:r>
-          </a:p>
-          <a:p>
-            <a:pPr lvl="1"/>
-            <a:r>
-              <a:rPr lang="en-GB" dirty="0"/>
-              <a:t>Strategy</a:t>
-            </a:r>
-          </a:p>
-          <a:p>
-            <a:pPr lvl="1"/>
-            <a:r>
-              <a:rPr lang="en-GB" dirty="0"/>
-              <a:t>Clear Goal</a:t>
-            </a:r>
-          </a:p>
-          <a:p>
-            <a:endParaRPr lang="en-GB" dirty="0"/>
-          </a:p>
-        </p:txBody>
-      </p:sp>
-    </p:spTree>
-    <p:extLst>
-      <p:ext uri="{BB962C8B-B14F-4D97-AF65-F5344CB8AC3E}">
-        <p14:creationId xmlns:p14="http://schemas.microsoft.com/office/powerpoint/2010/main" val="650876939"/>
-      </p:ext>
-    </p:extLst>
-  </p:cSld>
-  <p:clrMapOvr>
-    <a:masterClrMapping/>
-  </p:clrMapOvr>
-</p:sld>
-</file>
-
 <file path=ppt/slides/slide8.xml><?xml version="1.0" encoding="utf-8"?>
 <p:sld xmlns:a="http://schemas.openxmlformats.org/drawingml/2006/main" xmlns:r="http://schemas.openxmlformats.org/officeDocument/2006/relationships" xmlns:p="http://schemas.openxmlformats.org/presentationml/2006/main">
   <p:cSld>
@@ -8063,7 +8071,14 @@
           <a:p>
             <a:r>
               <a:rPr lang="en-GB" dirty="0" smtClean="0"/>
-              <a:t>Currency</a:t>
+              <a:t>Game Features</a:t>
+            </a:r>
+            <a:br>
+              <a:rPr lang="en-GB" dirty="0" smtClean="0"/>
+            </a:br>
+            <a:r>
+              <a:rPr lang="en-GB" dirty="0" smtClean="0"/>
+              <a:t>(The Challenges)</a:t>
             </a:r>
             <a:endParaRPr lang="en-GB" dirty="0"/>
           </a:p>
@@ -8081,86 +8096,66 @@
         </p:nvSpPr>
         <p:spPr/>
         <p:txBody>
-          <a:bodyPr>
-            <a:normAutofit fontScale="92500" lnSpcReduction="10000"/>
-          </a:bodyPr>
+          <a:bodyPr/>
           <a:lstStyle/>
           <a:p>
             <a:r>
+              <a:rPr lang="en-GB" dirty="0"/>
+              <a:t>Creating an unbroken chain of hexes</a:t>
+            </a:r>
+          </a:p>
+          <a:p>
+            <a:r>
+              <a:rPr lang="en-GB" dirty="0"/>
+              <a:t>Using different hex types to reduce the number of moves this takes</a:t>
+            </a:r>
+          </a:p>
+          <a:p>
+            <a:r>
+              <a:rPr lang="en-GB" dirty="0"/>
+              <a:t>Optimisation </a:t>
+            </a:r>
+            <a:r>
               <a:rPr lang="en-GB" dirty="0" smtClean="0"/>
-              <a:t>Star-Dust</a:t>
+              <a:t>game</a:t>
+            </a:r>
+          </a:p>
+          <a:p>
+            <a:r>
+              <a:rPr lang="en-GB" dirty="0"/>
+              <a:t>Hard Fun: </a:t>
             </a:r>
           </a:p>
           <a:p>
             <a:pPr lvl="1"/>
             <a:r>
-              <a:rPr lang="en-GB" dirty="0" smtClean="0"/>
-              <a:t>Used to refill the players lives</a:t>
+              <a:rPr lang="en-GB" dirty="0"/>
+              <a:t>Accomplishment</a:t>
             </a:r>
           </a:p>
           <a:p>
             <a:pPr lvl="1"/>
             <a:r>
-              <a:rPr lang="en-GB" dirty="0" smtClean="0"/>
-              <a:t>Used to buy power-ups to help the player in game</a:t>
+              <a:rPr lang="en-GB" dirty="0"/>
+              <a:t>Strategy</a:t>
             </a:r>
           </a:p>
           <a:p>
             <a:pPr lvl="1"/>
+            <a:r>
+              <a:rPr lang="en-GB" dirty="0"/>
+              <a:t>Clear Goal</a:t>
+            </a:r>
+          </a:p>
+          <a:p>
             <a:endParaRPr lang="en-GB" dirty="0"/>
-          </a:p>
-          <a:p>
-            <a:pPr lvl="1"/>
-            <a:r>
-              <a:rPr lang="en-GB" dirty="0" smtClean="0"/>
-              <a:t>Pricing:</a:t>
-            </a:r>
-          </a:p>
-          <a:p>
-            <a:pPr lvl="2"/>
-            <a:r>
-              <a:rPr lang="en-GB" dirty="0" smtClean="0"/>
-              <a:t>£0.99- Smallest amount</a:t>
-            </a:r>
-          </a:p>
-          <a:p>
-            <a:pPr lvl="2"/>
-            <a:r>
-              <a:rPr lang="en-GB" dirty="0" smtClean="0"/>
-              <a:t>£4.99</a:t>
-            </a:r>
-          </a:p>
-          <a:p>
-            <a:pPr lvl="2"/>
-            <a:r>
-              <a:rPr lang="en-GB" dirty="0" smtClean="0"/>
-              <a:t>£10.99-£15.99</a:t>
-            </a:r>
-          </a:p>
-          <a:p>
-            <a:pPr lvl="2"/>
-            <a:r>
-              <a:rPr lang="en-GB" dirty="0" smtClean="0"/>
-              <a:t>£20-£40</a:t>
-            </a:r>
-          </a:p>
-          <a:p>
-            <a:pPr lvl="2"/>
-            <a:r>
-              <a:rPr lang="en-GB" dirty="0" smtClean="0"/>
-              <a:t>£60-£80- Highest amount</a:t>
-            </a:r>
-          </a:p>
-          <a:p>
-            <a:pPr lvl="2"/>
-            <a:endParaRPr lang="en-GB" dirty="0" smtClean="0"/>
           </a:p>
         </p:txBody>
       </p:sp>
     </p:spTree>
     <p:extLst>
       <p:ext uri="{BB962C8B-B14F-4D97-AF65-F5344CB8AC3E}">
-        <p14:creationId xmlns:p14="http://schemas.microsoft.com/office/powerpoint/2010/main" val="1067648930"/>
+        <p14:creationId xmlns:p14="http://schemas.microsoft.com/office/powerpoint/2010/main" xmlns="" val="650876939"/>
       </p:ext>
     </p:extLst>
   </p:cSld>
@@ -8204,7 +8199,7 @@
           <a:p>
             <a:r>
               <a:rPr lang="en-GB" dirty="0" smtClean="0"/>
-              <a:t>Hex Tile Types</a:t>
+              <a:t>Currency</a:t>
             </a:r>
             <a:endParaRPr lang="en-GB" dirty="0"/>
           </a:p>
@@ -8222,17 +8217,86 @@
         </p:nvSpPr>
         <p:spPr/>
         <p:txBody>
-          <a:bodyPr/>
+          <a:bodyPr>
+            <a:normAutofit fontScale="92500" lnSpcReduction="10000"/>
+          </a:bodyPr>
           <a:lstStyle/>
           <a:p>
+            <a:r>
+              <a:rPr lang="en-GB" dirty="0" smtClean="0"/>
+              <a:t>Star-Dust</a:t>
+            </a:r>
+          </a:p>
+          <a:p>
+            <a:pPr lvl="1"/>
+            <a:r>
+              <a:rPr lang="en-GB" dirty="0" smtClean="0"/>
+              <a:t>Used to refill the players lives</a:t>
+            </a:r>
+          </a:p>
+          <a:p>
+            <a:pPr lvl="1"/>
+            <a:r>
+              <a:rPr lang="en-GB" dirty="0" smtClean="0"/>
+              <a:t>Used to buy power-ups to help the player in game</a:t>
+            </a:r>
+          </a:p>
+          <a:p>
+            <a:pPr lvl="1"/>
             <a:endParaRPr lang="en-GB" dirty="0"/>
+          </a:p>
+          <a:p>
+            <a:pPr lvl="1"/>
+            <a:r>
+              <a:rPr lang="en-GB" dirty="0" smtClean="0"/>
+              <a:t>Pricing:</a:t>
+            </a:r>
+          </a:p>
+          <a:p>
+            <a:pPr lvl="2"/>
+            <a:r>
+              <a:rPr lang="en-GB" dirty="0" smtClean="0"/>
+              <a:t>£0.99- Smallest amount</a:t>
+            </a:r>
+          </a:p>
+          <a:p>
+            <a:pPr lvl="2"/>
+            <a:r>
+              <a:rPr lang="en-GB" dirty="0" smtClean="0"/>
+              <a:t>£4.99</a:t>
+            </a:r>
+          </a:p>
+          <a:p>
+            <a:pPr lvl="2"/>
+            <a:r>
+              <a:rPr lang="en-GB" dirty="0" smtClean="0"/>
+              <a:t>£10.99-£15.99</a:t>
+            </a:r>
+          </a:p>
+          <a:p>
+            <a:pPr lvl="2"/>
+            <a:r>
+              <a:rPr lang="en-GB" dirty="0" smtClean="0"/>
+              <a:t>£20-£40</a:t>
+            </a:r>
+          </a:p>
+          <a:p>
+            <a:pPr lvl="2"/>
+            <a:r>
+              <a:rPr lang="en-GB" dirty="0" smtClean="0"/>
+              <a:t>£60-£80- Highest amount</a:t>
+            </a:r>
+          </a:p>
+          <a:p>
+            <a:pPr lvl="2"/>
+            <a:endParaRPr lang="en-GB" dirty="0" smtClean="0"/>
           </a:p>
         </p:txBody>
       </p:sp>
     </p:spTree>
     <p:extLst>
       <p:ext uri="{BB962C8B-B14F-4D97-AF65-F5344CB8AC3E}">
-        <p14:creationId xmlns:p14="http://schemas.microsoft.com/office/powerpoint/2010/main" val="1875766184"/>
+        <p14:creationId xmlns:p14="http://schemas.microsoft.com/office/powerpoint/2010/main" xmlns="" val="1067648930"/>
       </p:ext>
     </p:extLst>
   </p:cSld>
@@ -8813,7 +8877,7 @@
   <a:extraClrSchemeLst/>
   <a:extLst>
     <a:ext uri="{05A4C25C-085E-4340-85A3-A5531E510DB2}">
-      <thm15:themeFamily xmlns:thm15="http://schemas.microsoft.com/office/thememl/2012/main" name="Office Theme" id="{62F939B6-93AF-4DB8-9C6B-D6C7DFDC589F}" vid="{4A3C46E8-61CC-4603-A589-7422A47A8E4A}"/>
+      <thm15:themeFamily xmlns:thm15="http://schemas.microsoft.com/office/thememl/2012/main" xmlns="" name="Office Theme" id="{62F939B6-93AF-4DB8-9C6B-D6C7DFDC589F}" vid="{4A3C46E8-61CC-4603-A589-7422A47A8E4A}"/>
     </a:ext>
   </a:extLst>
 </a:theme>
